--- a/Circuits.pptx
+++ b/Circuits.pptx
@@ -6,6 +6,7 @@
   </p:sldMasterIdLst>
   <p:sldIdLst>
     <p:sldId id="256" r:id="rId2"/>
+    <p:sldId id="257" r:id="rId3"/>
   </p:sldIdLst>
   <p:sldSz cx="12192000" cy="6858000"/>
   <p:notesSz cx="6858000" cy="9144000"/>
@@ -104,6 +105,11 @@
       </a:defRPr>
     </a:lvl9pPr>
   </p:defaultTextStyle>
+  <p:extLst>
+    <p:ext uri="{EFAFB233-063F-42B5-8137-9DF3F51BA10A}">
+      <p15:sldGuideLst xmlns:p15="http://schemas.microsoft.com/office/powerpoint/2012/main"/>
+    </p:ext>
+  </p:extLst>
 </p:presentation>
 </file>
 
@@ -256,7 +262,7 @@
           <a:p>
             <a:fld id="{BDFF6F0B-88E4-4E4A-BDAD-C8DE34FE6900}" type="datetimeFigureOut">
               <a:rPr lang="en-CA" smtClean="0"/>
-              <a:t>2023-01-06</a:t>
+              <a:t>2023-01-08</a:t>
             </a:fld>
             <a:endParaRPr lang="en-CA"/>
           </a:p>
@@ -456,7 +462,7 @@
           <a:p>
             <a:fld id="{BDFF6F0B-88E4-4E4A-BDAD-C8DE34FE6900}" type="datetimeFigureOut">
               <a:rPr lang="en-CA" smtClean="0"/>
-              <a:t>2023-01-06</a:t>
+              <a:t>2023-01-08</a:t>
             </a:fld>
             <a:endParaRPr lang="en-CA"/>
           </a:p>
@@ -666,7 +672,7 @@
           <a:p>
             <a:fld id="{BDFF6F0B-88E4-4E4A-BDAD-C8DE34FE6900}" type="datetimeFigureOut">
               <a:rPr lang="en-CA" smtClean="0"/>
-              <a:t>2023-01-06</a:t>
+              <a:t>2023-01-08</a:t>
             </a:fld>
             <a:endParaRPr lang="en-CA"/>
           </a:p>
@@ -866,7 +872,7 @@
           <a:p>
             <a:fld id="{BDFF6F0B-88E4-4E4A-BDAD-C8DE34FE6900}" type="datetimeFigureOut">
               <a:rPr lang="en-CA" smtClean="0"/>
-              <a:t>2023-01-06</a:t>
+              <a:t>2023-01-08</a:t>
             </a:fld>
             <a:endParaRPr lang="en-CA"/>
           </a:p>
@@ -1142,7 +1148,7 @@
           <a:p>
             <a:fld id="{BDFF6F0B-88E4-4E4A-BDAD-C8DE34FE6900}" type="datetimeFigureOut">
               <a:rPr lang="en-CA" smtClean="0"/>
-              <a:t>2023-01-06</a:t>
+              <a:t>2023-01-08</a:t>
             </a:fld>
             <a:endParaRPr lang="en-CA"/>
           </a:p>
@@ -1410,7 +1416,7 @@
           <a:p>
             <a:fld id="{BDFF6F0B-88E4-4E4A-BDAD-C8DE34FE6900}" type="datetimeFigureOut">
               <a:rPr lang="en-CA" smtClean="0"/>
-              <a:t>2023-01-06</a:t>
+              <a:t>2023-01-08</a:t>
             </a:fld>
             <a:endParaRPr lang="en-CA"/>
           </a:p>
@@ -1825,7 +1831,7 @@
           <a:p>
             <a:fld id="{BDFF6F0B-88E4-4E4A-BDAD-C8DE34FE6900}" type="datetimeFigureOut">
               <a:rPr lang="en-CA" smtClean="0"/>
-              <a:t>2023-01-06</a:t>
+              <a:t>2023-01-08</a:t>
             </a:fld>
             <a:endParaRPr lang="en-CA"/>
           </a:p>
@@ -1967,7 +1973,7 @@
           <a:p>
             <a:fld id="{BDFF6F0B-88E4-4E4A-BDAD-C8DE34FE6900}" type="datetimeFigureOut">
               <a:rPr lang="en-CA" smtClean="0"/>
-              <a:t>2023-01-06</a:t>
+              <a:t>2023-01-08</a:t>
             </a:fld>
             <a:endParaRPr lang="en-CA"/>
           </a:p>
@@ -2080,7 +2086,7 @@
           <a:p>
             <a:fld id="{BDFF6F0B-88E4-4E4A-BDAD-C8DE34FE6900}" type="datetimeFigureOut">
               <a:rPr lang="en-CA" smtClean="0"/>
-              <a:t>2023-01-06</a:t>
+              <a:t>2023-01-08</a:t>
             </a:fld>
             <a:endParaRPr lang="en-CA"/>
           </a:p>
@@ -2393,7 +2399,7 @@
           <a:p>
             <a:fld id="{BDFF6F0B-88E4-4E4A-BDAD-C8DE34FE6900}" type="datetimeFigureOut">
               <a:rPr lang="en-CA" smtClean="0"/>
-              <a:t>2023-01-06</a:t>
+              <a:t>2023-01-08</a:t>
             </a:fld>
             <a:endParaRPr lang="en-CA"/>
           </a:p>
@@ -2682,7 +2688,7 @@
           <a:p>
             <a:fld id="{BDFF6F0B-88E4-4E4A-BDAD-C8DE34FE6900}" type="datetimeFigureOut">
               <a:rPr lang="en-CA" smtClean="0"/>
-              <a:t>2023-01-06</a:t>
+              <a:t>2023-01-08</a:t>
             </a:fld>
             <a:endParaRPr lang="en-CA"/>
           </a:p>
@@ -2925,7 +2931,7 @@
           <a:p>
             <a:fld id="{BDFF6F0B-88E4-4E4A-BDAD-C8DE34FE6900}" type="datetimeFigureOut">
               <a:rPr lang="en-CA" smtClean="0"/>
-              <a:t>2023-01-06</a:t>
+              <a:t>2023-01-08</a:t>
             </a:fld>
             <a:endParaRPr lang="en-CA"/>
           </a:p>
@@ -3390,6 +3396,383 @@
 </p:sld>
 </file>
 
+<file path=ppt/slides/slide2.xml><?xml version="1.0" encoding="utf-8"?>
+<p:sld xmlns:a="http://schemas.openxmlformats.org/drawingml/2006/main" xmlns:r="http://schemas.openxmlformats.org/officeDocument/2006/relationships" xmlns:p="http://schemas.openxmlformats.org/presentationml/2006/main">
+  <p:cSld>
+    <p:spTree>
+      <p:nvGrpSpPr>
+        <p:cNvPr id="1" name=""/>
+        <p:cNvGrpSpPr/>
+        <p:nvPr/>
+      </p:nvGrpSpPr>
+      <p:grpSpPr>
+        <a:xfrm>
+          <a:off x="0" y="0"/>
+          <a:ext cx="0" cy="0"/>
+          <a:chOff x="0" y="0"/>
+          <a:chExt cx="0" cy="0"/>
+        </a:xfrm>
+      </p:grpSpPr>
+      <p:sp>
+        <p:nvSpPr>
+          <p:cNvPr id="5" name="TextBox 4">
+            <a:extLst>
+              <a:ext uri="{FF2B5EF4-FFF2-40B4-BE49-F238E27FC236}">
+                <a16:creationId xmlns:a16="http://schemas.microsoft.com/office/drawing/2014/main" id="{1D87C1F6-0FA8-051C-8CEB-AA35BEAB690B}"/>
+              </a:ext>
+            </a:extLst>
+          </p:cNvPr>
+          <p:cNvSpPr txBox="1"/>
+          <p:nvPr/>
+        </p:nvSpPr>
+        <p:spPr>
+          <a:xfrm>
+            <a:off x="3048419" y="-2295644"/>
+            <a:ext cx="6096836" cy="12557284"/>
+          </a:xfrm>
+          <a:prstGeom prst="rect">
+            <a:avLst/>
+          </a:prstGeom>
+          <a:noFill/>
+        </p:spPr>
+        <p:txBody>
+          <a:bodyPr wrap="square">
+            <a:spAutoFit/>
+          </a:bodyPr>
+          <a:lstStyle/>
+          <a:p>
+            <a:r>
+              <a:rPr lang="en-CA" dirty="0"/>
+              <a:t>$ 1 0.000005 10.20027730826997 50 5 50 5e-11</a:t>
+            </a:r>
+          </a:p>
+          <a:p>
+            <a:r>
+              <a:rPr lang="en-CA" dirty="0"/>
+              <a:t>v 560 416 560 336 0 0 40 12 0 0 0.5</a:t>
+            </a:r>
+          </a:p>
+          <a:p>
+            <a:r>
+              <a:rPr lang="en-CA" dirty="0"/>
+              <a:t>x 513 378 534 381 4 12 12V</a:t>
+            </a:r>
+          </a:p>
+          <a:p>
+            <a:r>
+              <a:rPr lang="en-CA" dirty="0"/>
+              <a:t>r 688 288 688 368 0 33000</a:t>
+            </a:r>
+          </a:p>
+          <a:p>
+            <a:r>
+              <a:rPr lang="en-CA" dirty="0"/>
+              <a:t>p 688 368 800 368 1 0 0</a:t>
+            </a:r>
+          </a:p>
+          <a:p>
+            <a:r>
+              <a:rPr lang="en-CA" dirty="0"/>
+              <a:t>x 870 439 932 442 4 18 Arduino</a:t>
+            </a:r>
+          </a:p>
+          <a:p>
+            <a:r>
+              <a:rPr lang="en-CA" dirty="0"/>
+              <a:t>b 801 282 1068 552 0</a:t>
+            </a:r>
+          </a:p>
+          <a:p>
+            <a:r>
+              <a:rPr lang="en-CA" dirty="0"/>
+              <a:t>x 812 376 879 379 4 12 Analog\</a:t>
+            </a:r>
+            <a:r>
+              <a:rPr lang="en-CA" dirty="0" err="1"/>
+              <a:t>sInput</a:t>
+            </a:r>
+            <a:endParaRPr lang="en-CA" dirty="0"/>
+          </a:p>
+          <a:p>
+            <a:r>
+              <a:rPr lang="en-CA" dirty="0"/>
+              <a:t>r 688 368 688 448 0 10000</a:t>
+            </a:r>
+          </a:p>
+          <a:p>
+            <a:r>
+              <a:rPr lang="en-CA" dirty="0"/>
+              <a:t>b 659 305 721 437 0</a:t>
+            </a:r>
+          </a:p>
+          <a:p>
+            <a:r>
+              <a:rPr lang="en-CA" dirty="0"/>
+              <a:t>x 641 289 731 292 4 12 Voltage\s\s\s\</a:t>
+            </a:r>
+            <a:r>
+              <a:rPr lang="en-CA" dirty="0" err="1"/>
+              <a:t>sDivider</a:t>
+            </a:r>
+            <a:endParaRPr lang="en-CA" dirty="0"/>
+          </a:p>
+          <a:p>
+            <a:r>
+              <a:rPr lang="en-CA" dirty="0"/>
+              <a:t>w 688 448 688 480 0</a:t>
+            </a:r>
+          </a:p>
+          <a:p>
+            <a:r>
+              <a:rPr lang="en-CA" dirty="0"/>
+              <a:t>w 688 480 560 480 0</a:t>
+            </a:r>
+          </a:p>
+          <a:p>
+            <a:r>
+              <a:rPr lang="en-CA" dirty="0"/>
+              <a:t>w 560 336 560 240 1</a:t>
+            </a:r>
+          </a:p>
+          <a:p>
+            <a:r>
+              <a:rPr lang="en-CA" dirty="0"/>
+              <a:t>w 560 416 560 480 0</a:t>
+            </a:r>
+          </a:p>
+          <a:p>
+            <a:r>
+              <a:rPr lang="en-CA" dirty="0"/>
+              <a:t>w 448 240 448 656 0</a:t>
+            </a:r>
+          </a:p>
+          <a:p>
+            <a:r>
+              <a:rPr lang="en-CA" dirty="0"/>
+              <a:t>w 448 656 560 656 0</a:t>
+            </a:r>
+          </a:p>
+          <a:p>
+            <a:r>
+              <a:rPr lang="en-CA" dirty="0"/>
+              <a:t>w 560 480 560 576 0</a:t>
+            </a:r>
+          </a:p>
+          <a:p>
+            <a:r>
+              <a:rPr lang="en-CA" dirty="0"/>
+              <a:t>w 560 656 592 656 0</a:t>
+            </a:r>
+          </a:p>
+          <a:p>
+            <a:r>
+              <a:rPr lang="en-CA" dirty="0"/>
+              <a:t>w 560 576 592 576 0</a:t>
+            </a:r>
+          </a:p>
+          <a:p>
+            <a:r>
+              <a:rPr lang="en-CA" dirty="0"/>
+              <a:t>r 592 576 592 656 0 1000</a:t>
+            </a:r>
+          </a:p>
+          <a:p>
+            <a:r>
+              <a:rPr lang="en-CA" dirty="0"/>
+              <a:t>b 573 544 725 686 0</a:t>
+            </a:r>
+          </a:p>
+          <a:p>
+            <a:r>
+              <a:rPr lang="en-CA" dirty="0"/>
+              <a:t>x 531 620 571 623 4 14 12V\</a:t>
+            </a:r>
+            <a:r>
+              <a:rPr lang="en-CA" dirty="0" err="1"/>
+              <a:t>sIn</a:t>
+            </a:r>
+            <a:endParaRPr lang="en-CA" dirty="0"/>
+          </a:p>
+          <a:p>
+            <a:r>
+              <a:rPr lang="en-CA" dirty="0"/>
+              <a:t>v 688 656 688 576 0 0 40 3.3 0 0 0.5</a:t>
+            </a:r>
+          </a:p>
+          <a:p>
+            <a:r>
+              <a:rPr lang="en-CA" dirty="0"/>
+              <a:t>w 688 576 848 576 0</a:t>
+            </a:r>
+          </a:p>
+          <a:p>
+            <a:r>
+              <a:rPr lang="en-CA" dirty="0"/>
+              <a:t>w 688 656 912 656 0</a:t>
+            </a:r>
+          </a:p>
+          <a:p>
+            <a:r>
+              <a:rPr lang="en-CA" dirty="0"/>
+              <a:t>w 912 656 912 480 0</a:t>
+            </a:r>
+          </a:p>
+          <a:p>
+            <a:r>
+              <a:rPr lang="en-CA" dirty="0"/>
+              <a:t>w 848 576 848 480 0</a:t>
+            </a:r>
+          </a:p>
+          <a:p>
+            <a:r>
+              <a:rPr lang="en-CA" dirty="0"/>
+              <a:t>r 848 480 912 480 0 1000</a:t>
+            </a:r>
+          </a:p>
+          <a:p>
+            <a:r>
+              <a:rPr lang="en-CA" dirty="0"/>
+              <a:t>x 712 622 767 625 4 14 3.3V\</a:t>
+            </a:r>
+            <a:r>
+              <a:rPr lang="en-CA" dirty="0" err="1"/>
+              <a:t>sOut</a:t>
+            </a:r>
+            <a:endParaRPr lang="en-CA" dirty="0"/>
+          </a:p>
+          <a:p>
+            <a:r>
+              <a:rPr lang="en-CA" dirty="0"/>
+              <a:t>x 580 566 715 569 4 14 12V\</a:t>
+            </a:r>
+            <a:r>
+              <a:rPr lang="en-CA" dirty="0" err="1"/>
+              <a:t>sto</a:t>
+            </a:r>
+            <a:r>
+              <a:rPr lang="en-CA" dirty="0"/>
+              <a:t>\s3.3V\</a:t>
+            </a:r>
+            <a:r>
+              <a:rPr lang="en-CA" dirty="0" err="1"/>
+              <a:t>sconverter</a:t>
+            </a:r>
+            <a:endParaRPr lang="en-CA" dirty="0"/>
+          </a:p>
+          <a:p>
+            <a:r>
+              <a:rPr lang="en-CA" dirty="0"/>
+              <a:t>162 928 336 1024 336 2 default-led 1 1 0 0.01</a:t>
+            </a:r>
+          </a:p>
+          <a:p>
+            <a:r>
+              <a:rPr lang="en-CA" dirty="0"/>
+              <a:t>r 896 336 928 336 0 120</a:t>
+            </a:r>
+          </a:p>
+          <a:p>
+            <a:r>
+              <a:rPr lang="en-CA" dirty="0"/>
+              <a:t>x 931 315 1044 318 4 12 Load\</a:t>
+            </a:r>
+            <a:r>
+              <a:rPr lang="en-CA" dirty="0" err="1"/>
+              <a:t>sStatus</a:t>
+            </a:r>
+            <a:r>
+              <a:rPr lang="en-CA" dirty="0"/>
+              <a:t>\</a:t>
+            </a:r>
+            <a:r>
+              <a:rPr lang="en-CA" dirty="0" err="1"/>
+              <a:t>sIndicator</a:t>
+            </a:r>
+            <a:endParaRPr lang="en-CA" dirty="0"/>
+          </a:p>
+          <a:p>
+            <a:r>
+              <a:rPr lang="en-CA" dirty="0"/>
+              <a:t>x 839 266 969 269 4 12 Wireless\</a:t>
+            </a:r>
+            <a:r>
+              <a:rPr lang="en-CA" dirty="0" err="1"/>
+              <a:t>scommunication</a:t>
+            </a:r>
+            <a:endParaRPr lang="en-CA" dirty="0"/>
+          </a:p>
+          <a:p>
+            <a:r>
+              <a:rPr lang="en-CA" dirty="0"/>
+              <a:t>w 896 304 896 272 0</a:t>
+            </a:r>
+          </a:p>
+          <a:p>
+            <a:r>
+              <a:rPr lang="en-CA" dirty="0"/>
+              <a:t>R 896 336 848 336 0 0 40 3.3 0 0 0.5</a:t>
+            </a:r>
+          </a:p>
+          <a:p>
+            <a:r>
+              <a:rPr lang="en-CA" dirty="0"/>
+              <a:t>w 688 240 688 288 0</a:t>
+            </a:r>
+          </a:p>
+          <a:p>
+            <a:r>
+              <a:rPr lang="en-CA" dirty="0"/>
+              <a:t>w 448 240 560 240 0</a:t>
+            </a:r>
+          </a:p>
+          <a:p>
+            <a:r>
+              <a:rPr lang="en-CA" dirty="0"/>
+              <a:t>w 560 240 688 240 0</a:t>
+            </a:r>
+          </a:p>
+          <a:p>
+            <a:r>
+              <a:rPr lang="en-CA" dirty="0"/>
+              <a:t>g 1024 336 1024 384 0 0</a:t>
+            </a:r>
+          </a:p>
+          <a:p>
+            <a:r>
+              <a:rPr lang="en-CA" dirty="0"/>
+              <a:t>x 731 334 746 337 4 12 R1</a:t>
+            </a:r>
+          </a:p>
+          <a:p>
+            <a:r>
+              <a:rPr lang="en-CA" dirty="0"/>
+              <a:t>x 731 413 746 416 4 12 R2</a:t>
+            </a:r>
+          </a:p>
+          <a:p>
+            <a:r>
+              <a:rPr lang="en-CA" dirty="0"/>
+              <a:t>x 475 345 525 348 4 16 Battery</a:t>
+            </a:r>
+          </a:p>
+          <a:p>
+            <a:endParaRPr lang="en-CA" dirty="0"/>
+          </a:p>
+        </p:txBody>
+      </p:sp>
+    </p:spTree>
+    <p:extLst>
+      <p:ext uri="{BB962C8B-B14F-4D97-AF65-F5344CB8AC3E}">
+        <p14:creationId xmlns:p14="http://schemas.microsoft.com/office/powerpoint/2010/main" val="4273700715"/>
+      </p:ext>
+    </p:extLst>
+  </p:cSld>
+  <p:clrMapOvr>
+    <a:masterClrMapping/>
+  </p:clrMapOvr>
+</p:sld>
+</file>
+
 <file path=ppt/theme/theme1.xml><?xml version="1.0" encoding="utf-8"?>
 <a:theme xmlns:a="http://schemas.openxmlformats.org/drawingml/2006/main" name="Office Theme">
   <a:themeElements>
